--- a/default.pptx
+++ b/default.pptx
@@ -3359,6 +3359,9 @@
             <a:srgbClr val="FFFFFF"/>
           </a:solidFill>
           <a:ln w="12700">
+            <a:solidFill>
+              <a:schemeClr val="tx2"/>
+            </a:solidFill>
             <a:miter lim="400000"/>
           </a:ln>
           <a:effectLst>

--- a/default.pptx
+++ b/default.pptx
@@ -5,15 +5,11 @@
     <p:sldMasterId id="2147483648" r:id="rId1"/>
   </p:sldMasterIdLst>
   <p:notesMasterIdLst>
-    <p:notesMasterId r:id="rId8"/>
+    <p:notesMasterId r:id="rId4"/>
   </p:notesMasterIdLst>
   <p:sldIdLst>
     <p:sldId id="256" r:id="rId2"/>
     <p:sldId id="257" r:id="rId3"/>
-    <p:sldId id="258" r:id="rId4"/>
-    <p:sldId id="259" r:id="rId5"/>
-    <p:sldId id="260" r:id="rId6"/>
-    <p:sldId id="261" r:id="rId7"/>
   </p:sldIdLst>
   <p:sldSz cx="24384000" cy="13716000"/>
   <p:notesSz cx="6858000" cy="9144000"/>
@@ -4971,506 +4967,6 @@
 </p:sld>
 </file>
 
-<file path=ppt/slides/slide3.xml><?xml version="1.0" encoding="utf-8"?>
-<p:sld xmlns:a="http://schemas.openxmlformats.org/drawingml/2006/main" xmlns:r="http://schemas.openxmlformats.org/officeDocument/2006/relationships" xmlns:p="http://schemas.openxmlformats.org/presentationml/2006/main">
-  <p:cSld>
-    <p:spTree>
-      <p:nvGrpSpPr>
-        <p:cNvPr id="1" name=""/>
-        <p:cNvGrpSpPr/>
-        <p:nvPr/>
-      </p:nvGrpSpPr>
-      <p:grpSpPr>
-        <a:xfrm>
-          <a:off x="0" y="0"/>
-          <a:ext cx="0" cy="0"/>
-          <a:chOff x="0" y="0"/>
-          <a:chExt cx="0" cy="0"/>
-        </a:xfrm>
-      </p:grpSpPr>
-      <p:sp>
-        <p:nvSpPr>
-          <p:cNvPr id="6" name="TextBox 5"/>
-          <p:cNvSpPr txBox="1"/>
-          <p:nvPr/>
-        </p:nvSpPr>
-        <p:spPr>
-          <a:xfrm>
-            <a:off x="6237111" y="12728316"/>
-            <a:ext cx="13095111" cy="564257"/>
-          </a:xfrm>
-          <a:prstGeom prst="rect">
-            <a:avLst/>
-          </a:prstGeom>
-          <a:noFill/>
-          <a:ln w="12700" cap="flat">
-            <a:noFill/>
-            <a:miter lim="400000"/>
-          </a:ln>
-          <a:effectLst/>
-          <a:sp3d/>
-        </p:spPr>
-        <p:style>
-          <a:lnRef idx="0">
-            <a:scrgbClr r="0" g="0" b="0"/>
-          </a:lnRef>
-          <a:fillRef idx="0">
-            <a:scrgbClr r="0" g="0" b="0"/>
-          </a:fillRef>
-          <a:effectRef idx="0">
-            <a:scrgbClr r="0" g="0" b="0"/>
-          </a:effectRef>
-          <a:fontRef idx="none"/>
-        </p:style>
-        <p:txBody>
-          <a:bodyPr rot="0" spcFirstLastPara="1" vertOverflow="overflow" horzOverflow="overflow" vert="horz" wrap="square" lIns="50800" tIns="50800" rIns="50800" bIns="50800" numCol="1" spcCol="38100" rtlCol="0" anchor="ctr">
-            <a:spAutoFit/>
-          </a:bodyPr>
-          <a:lstStyle/>
-          <a:p>
-            <a:pPr marL="0" marR="0" indent="0" algn="ctr" defTabSz="825500" rtl="0" fontAlgn="auto" latinLnBrk="0" hangingPunct="0">
-              <a:lnSpc>
-                <a:spcPct val="100000"/>
-              </a:lnSpc>
-              <a:spcBef>
-                <a:spcPts val="0"/>
-              </a:spcBef>
-              <a:spcAft>
-                <a:spcPts val="0"/>
-              </a:spcAft>
-              <a:buClrTx/>
-              <a:buSzTx/>
-              <a:buFontTx/>
-              <a:buNone/>
-              <a:tabLst/>
-            </a:pPr>
-            <a:r>
-              <a:rPr kumimoji="0" lang="en-US" sz="3000" b="1" i="0" u="none" strike="noStrike" cap="none" spc="0" normalizeH="0" baseline="0" dirty="0" smtClean="0">
-                <a:ln>
-                  <a:noFill/>
-                </a:ln>
-                <a:solidFill>
-                  <a:srgbClr val="000000"/>
-                </a:solidFill>
-                <a:effectLst/>
-                <a:uFillTx/>
-                <a:latin typeface="Helvetica Neue"/>
-                <a:ea typeface="Helvetica Neue"/>
-                <a:cs typeface="Helvetica Neue"/>
-                <a:sym typeface="Helvetica Neue"/>
-              </a:rPr>
-              <a:t>Thi</a:t>
-            </a:r>
-            <a:r>
-              <a:rPr lang="en-US" dirty="0" smtClean="0"/>
-              <a:t>s slide left blank for whiteboard</a:t>
-            </a:r>
-            <a:endParaRPr kumimoji="0" lang="en-US" sz="3000" b="1" i="0" u="none" strike="noStrike" cap="none" spc="0" normalizeH="0" baseline="0" dirty="0">
-              <a:ln>
-                <a:noFill/>
-              </a:ln>
-              <a:solidFill>
-                <a:srgbClr val="000000"/>
-              </a:solidFill>
-              <a:effectLst/>
-              <a:uFillTx/>
-              <a:latin typeface="Helvetica Neue"/>
-              <a:ea typeface="Helvetica Neue"/>
-              <a:cs typeface="Helvetica Neue"/>
-              <a:sym typeface="Helvetica Neue"/>
-            </a:endParaRPr>
-          </a:p>
-        </p:txBody>
-      </p:sp>
-    </p:spTree>
-    <p:extLst>
-      <p:ext uri="{BB962C8B-B14F-4D97-AF65-F5344CB8AC3E}">
-        <p14:creationId xmlns:p14="http://schemas.microsoft.com/office/powerpoint/2010/main" val="2476088095"/>
-      </p:ext>
-    </p:extLst>
-  </p:cSld>
-  <p:clrMapOvr>
-    <a:masterClrMapping/>
-  </p:clrMapOvr>
-  <p:transition spd="med"/>
-</p:sld>
-</file>
-
-<file path=ppt/slides/slide4.xml><?xml version="1.0" encoding="utf-8"?>
-<p:sld xmlns:a="http://schemas.openxmlformats.org/drawingml/2006/main" xmlns:r="http://schemas.openxmlformats.org/officeDocument/2006/relationships" xmlns:p="http://schemas.openxmlformats.org/presentationml/2006/main">
-  <p:cSld>
-    <p:spTree>
-      <p:nvGrpSpPr>
-        <p:cNvPr id="1" name=""/>
-        <p:cNvGrpSpPr/>
-        <p:nvPr/>
-      </p:nvGrpSpPr>
-      <p:grpSpPr>
-        <a:xfrm>
-          <a:off x="0" y="0"/>
-          <a:ext cx="0" cy="0"/>
-          <a:chOff x="0" y="0"/>
-          <a:chExt cx="0" cy="0"/>
-        </a:xfrm>
-      </p:grpSpPr>
-      <p:sp>
-        <p:nvSpPr>
-          <p:cNvPr id="6" name="TextBox 5"/>
-          <p:cNvSpPr txBox="1"/>
-          <p:nvPr/>
-        </p:nvSpPr>
-        <p:spPr>
-          <a:xfrm>
-            <a:off x="6237111" y="12728316"/>
-            <a:ext cx="13095111" cy="564257"/>
-          </a:xfrm>
-          <a:prstGeom prst="rect">
-            <a:avLst/>
-          </a:prstGeom>
-          <a:noFill/>
-          <a:ln w="12700" cap="flat">
-            <a:noFill/>
-            <a:miter lim="400000"/>
-          </a:ln>
-          <a:effectLst/>
-          <a:sp3d/>
-        </p:spPr>
-        <p:style>
-          <a:lnRef idx="0">
-            <a:scrgbClr r="0" g="0" b="0"/>
-          </a:lnRef>
-          <a:fillRef idx="0">
-            <a:scrgbClr r="0" g="0" b="0"/>
-          </a:fillRef>
-          <a:effectRef idx="0">
-            <a:scrgbClr r="0" g="0" b="0"/>
-          </a:effectRef>
-          <a:fontRef idx="none"/>
-        </p:style>
-        <p:txBody>
-          <a:bodyPr rot="0" spcFirstLastPara="1" vertOverflow="overflow" horzOverflow="overflow" vert="horz" wrap="square" lIns="50800" tIns="50800" rIns="50800" bIns="50800" numCol="1" spcCol="38100" rtlCol="0" anchor="ctr">
-            <a:spAutoFit/>
-          </a:bodyPr>
-          <a:lstStyle/>
-          <a:p>
-            <a:pPr marL="0" marR="0" indent="0" algn="ctr" defTabSz="825500" rtl="0" fontAlgn="auto" latinLnBrk="0" hangingPunct="0">
-              <a:lnSpc>
-                <a:spcPct val="100000"/>
-              </a:lnSpc>
-              <a:spcBef>
-                <a:spcPts val="0"/>
-              </a:spcBef>
-              <a:spcAft>
-                <a:spcPts val="0"/>
-              </a:spcAft>
-              <a:buClrTx/>
-              <a:buSzTx/>
-              <a:buFontTx/>
-              <a:buNone/>
-              <a:tabLst/>
-            </a:pPr>
-            <a:r>
-              <a:rPr kumimoji="0" lang="en-US" sz="3000" b="1" i="0" u="none" strike="noStrike" cap="none" spc="0" normalizeH="0" baseline="0" dirty="0" smtClean="0">
-                <a:ln>
-                  <a:noFill/>
-                </a:ln>
-                <a:solidFill>
-                  <a:srgbClr val="000000"/>
-                </a:solidFill>
-                <a:effectLst/>
-                <a:uFillTx/>
-                <a:latin typeface="Helvetica Neue"/>
-                <a:ea typeface="Helvetica Neue"/>
-                <a:cs typeface="Helvetica Neue"/>
-                <a:sym typeface="Helvetica Neue"/>
-              </a:rPr>
-              <a:t>Thi</a:t>
-            </a:r>
-            <a:r>
-              <a:rPr lang="en-US" dirty="0" smtClean="0"/>
-              <a:t>s slide left blank for whiteboard</a:t>
-            </a:r>
-            <a:endParaRPr kumimoji="0" lang="en-US" sz="3000" b="1" i="0" u="none" strike="noStrike" cap="none" spc="0" normalizeH="0" baseline="0" dirty="0">
-              <a:ln>
-                <a:noFill/>
-              </a:ln>
-              <a:solidFill>
-                <a:srgbClr val="000000"/>
-              </a:solidFill>
-              <a:effectLst/>
-              <a:uFillTx/>
-              <a:latin typeface="Helvetica Neue"/>
-              <a:ea typeface="Helvetica Neue"/>
-              <a:cs typeface="Helvetica Neue"/>
-              <a:sym typeface="Helvetica Neue"/>
-            </a:endParaRPr>
-          </a:p>
-        </p:txBody>
-      </p:sp>
-    </p:spTree>
-    <p:extLst>
-      <p:ext uri="{BB962C8B-B14F-4D97-AF65-F5344CB8AC3E}">
-        <p14:creationId xmlns:p14="http://schemas.microsoft.com/office/powerpoint/2010/main" val="2476088095"/>
-      </p:ext>
-    </p:extLst>
-  </p:cSld>
-  <p:clrMapOvr>
-    <a:masterClrMapping/>
-  </p:clrMapOvr>
-  <p:transition spd="med"/>
-</p:sld>
-</file>
-
-<file path=ppt/slides/slide5.xml><?xml version="1.0" encoding="utf-8"?>
-<p:sld xmlns:a="http://schemas.openxmlformats.org/drawingml/2006/main" xmlns:r="http://schemas.openxmlformats.org/officeDocument/2006/relationships" xmlns:p="http://schemas.openxmlformats.org/presentationml/2006/main">
-  <p:cSld>
-    <p:spTree>
-      <p:nvGrpSpPr>
-        <p:cNvPr id="1" name=""/>
-        <p:cNvGrpSpPr/>
-        <p:nvPr/>
-      </p:nvGrpSpPr>
-      <p:grpSpPr>
-        <a:xfrm>
-          <a:off x="0" y="0"/>
-          <a:ext cx="0" cy="0"/>
-          <a:chOff x="0" y="0"/>
-          <a:chExt cx="0" cy="0"/>
-        </a:xfrm>
-      </p:grpSpPr>
-      <p:sp>
-        <p:nvSpPr>
-          <p:cNvPr id="6" name="TextBox 5"/>
-          <p:cNvSpPr txBox="1"/>
-          <p:nvPr/>
-        </p:nvSpPr>
-        <p:spPr>
-          <a:xfrm>
-            <a:off x="6237111" y="12728316"/>
-            <a:ext cx="13095111" cy="564257"/>
-          </a:xfrm>
-          <a:prstGeom prst="rect">
-            <a:avLst/>
-          </a:prstGeom>
-          <a:noFill/>
-          <a:ln w="12700" cap="flat">
-            <a:noFill/>
-            <a:miter lim="400000"/>
-          </a:ln>
-          <a:effectLst/>
-          <a:sp3d/>
-        </p:spPr>
-        <p:style>
-          <a:lnRef idx="0">
-            <a:scrgbClr r="0" g="0" b="0"/>
-          </a:lnRef>
-          <a:fillRef idx="0">
-            <a:scrgbClr r="0" g="0" b="0"/>
-          </a:fillRef>
-          <a:effectRef idx="0">
-            <a:scrgbClr r="0" g="0" b="0"/>
-          </a:effectRef>
-          <a:fontRef idx="none"/>
-        </p:style>
-        <p:txBody>
-          <a:bodyPr rot="0" spcFirstLastPara="1" vertOverflow="overflow" horzOverflow="overflow" vert="horz" wrap="square" lIns="50800" tIns="50800" rIns="50800" bIns="50800" numCol="1" spcCol="38100" rtlCol="0" anchor="ctr">
-            <a:spAutoFit/>
-          </a:bodyPr>
-          <a:lstStyle/>
-          <a:p>
-            <a:pPr marL="0" marR="0" indent="0" algn="ctr" defTabSz="825500" rtl="0" fontAlgn="auto" latinLnBrk="0" hangingPunct="0">
-              <a:lnSpc>
-                <a:spcPct val="100000"/>
-              </a:lnSpc>
-              <a:spcBef>
-                <a:spcPts val="0"/>
-              </a:spcBef>
-              <a:spcAft>
-                <a:spcPts val="0"/>
-              </a:spcAft>
-              <a:buClrTx/>
-              <a:buSzTx/>
-              <a:buFontTx/>
-              <a:buNone/>
-              <a:tabLst/>
-            </a:pPr>
-            <a:r>
-              <a:rPr kumimoji="0" lang="en-US" sz="3000" b="1" i="0" u="none" strike="noStrike" cap="none" spc="0" normalizeH="0" baseline="0" dirty="0" smtClean="0">
-                <a:ln>
-                  <a:noFill/>
-                </a:ln>
-                <a:solidFill>
-                  <a:srgbClr val="000000"/>
-                </a:solidFill>
-                <a:effectLst/>
-                <a:uFillTx/>
-                <a:latin typeface="Helvetica Neue"/>
-                <a:ea typeface="Helvetica Neue"/>
-                <a:cs typeface="Helvetica Neue"/>
-                <a:sym typeface="Helvetica Neue"/>
-              </a:rPr>
-              <a:t>Thi</a:t>
-            </a:r>
-            <a:r>
-              <a:rPr lang="en-US" dirty="0" smtClean="0"/>
-              <a:t>s slide left blank for whiteboard</a:t>
-            </a:r>
-            <a:endParaRPr kumimoji="0" lang="en-US" sz="3000" b="1" i="0" u="none" strike="noStrike" cap="none" spc="0" normalizeH="0" baseline="0" dirty="0">
-              <a:ln>
-                <a:noFill/>
-              </a:ln>
-              <a:solidFill>
-                <a:srgbClr val="000000"/>
-              </a:solidFill>
-              <a:effectLst/>
-              <a:uFillTx/>
-              <a:latin typeface="Helvetica Neue"/>
-              <a:ea typeface="Helvetica Neue"/>
-              <a:cs typeface="Helvetica Neue"/>
-              <a:sym typeface="Helvetica Neue"/>
-            </a:endParaRPr>
-          </a:p>
-        </p:txBody>
-      </p:sp>
-    </p:spTree>
-    <p:extLst>
-      <p:ext uri="{BB962C8B-B14F-4D97-AF65-F5344CB8AC3E}">
-        <p14:creationId xmlns:p14="http://schemas.microsoft.com/office/powerpoint/2010/main" val="2476088095"/>
-      </p:ext>
-    </p:extLst>
-  </p:cSld>
-  <p:clrMapOvr>
-    <a:masterClrMapping/>
-  </p:clrMapOvr>
-  <p:transition spd="med"/>
-</p:sld>
-</file>
-
-<file path=ppt/slides/slide6.xml><?xml version="1.0" encoding="utf-8"?>
-<p:sld xmlns:a="http://schemas.openxmlformats.org/drawingml/2006/main" xmlns:r="http://schemas.openxmlformats.org/officeDocument/2006/relationships" xmlns:p="http://schemas.openxmlformats.org/presentationml/2006/main">
-  <p:cSld>
-    <p:spTree>
-      <p:nvGrpSpPr>
-        <p:cNvPr id="1" name=""/>
-        <p:cNvGrpSpPr/>
-        <p:nvPr/>
-      </p:nvGrpSpPr>
-      <p:grpSpPr>
-        <a:xfrm>
-          <a:off x="0" y="0"/>
-          <a:ext cx="0" cy="0"/>
-          <a:chOff x="0" y="0"/>
-          <a:chExt cx="0" cy="0"/>
-        </a:xfrm>
-      </p:grpSpPr>
-      <p:sp>
-        <p:nvSpPr>
-          <p:cNvPr id="6" name="TextBox 5"/>
-          <p:cNvSpPr txBox="1"/>
-          <p:nvPr/>
-        </p:nvSpPr>
-        <p:spPr>
-          <a:xfrm>
-            <a:off x="6237111" y="12728316"/>
-            <a:ext cx="13095111" cy="564257"/>
-          </a:xfrm>
-          <a:prstGeom prst="rect">
-            <a:avLst/>
-          </a:prstGeom>
-          <a:noFill/>
-          <a:ln w="12700" cap="flat">
-            <a:noFill/>
-            <a:miter lim="400000"/>
-          </a:ln>
-          <a:effectLst/>
-          <a:sp3d/>
-        </p:spPr>
-        <p:style>
-          <a:lnRef idx="0">
-            <a:scrgbClr r="0" g="0" b="0"/>
-          </a:lnRef>
-          <a:fillRef idx="0">
-            <a:scrgbClr r="0" g="0" b="0"/>
-          </a:fillRef>
-          <a:effectRef idx="0">
-            <a:scrgbClr r="0" g="0" b="0"/>
-          </a:effectRef>
-          <a:fontRef idx="none"/>
-        </p:style>
-        <p:txBody>
-          <a:bodyPr rot="0" spcFirstLastPara="1" vertOverflow="overflow" horzOverflow="overflow" vert="horz" wrap="square" lIns="50800" tIns="50800" rIns="50800" bIns="50800" numCol="1" spcCol="38100" rtlCol="0" anchor="ctr">
-            <a:spAutoFit/>
-          </a:bodyPr>
-          <a:lstStyle/>
-          <a:p>
-            <a:pPr marL="0" marR="0" indent="0" algn="ctr" defTabSz="825500" rtl="0" fontAlgn="auto" latinLnBrk="0" hangingPunct="0">
-              <a:lnSpc>
-                <a:spcPct val="100000"/>
-              </a:lnSpc>
-              <a:spcBef>
-                <a:spcPts val="0"/>
-              </a:spcBef>
-              <a:spcAft>
-                <a:spcPts val="0"/>
-              </a:spcAft>
-              <a:buClrTx/>
-              <a:buSzTx/>
-              <a:buFontTx/>
-              <a:buNone/>
-              <a:tabLst/>
-            </a:pPr>
-            <a:r>
-              <a:rPr kumimoji="0" lang="en-US" sz="3000" b="1" i="0" u="none" strike="noStrike" cap="none" spc="0" normalizeH="0" baseline="0" dirty="0" smtClean="0">
-                <a:ln>
-                  <a:noFill/>
-                </a:ln>
-                <a:solidFill>
-                  <a:srgbClr val="000000"/>
-                </a:solidFill>
-                <a:effectLst/>
-                <a:uFillTx/>
-                <a:latin typeface="Helvetica Neue"/>
-                <a:ea typeface="Helvetica Neue"/>
-                <a:cs typeface="Helvetica Neue"/>
-                <a:sym typeface="Helvetica Neue"/>
-              </a:rPr>
-              <a:t>Thi</a:t>
-            </a:r>
-            <a:r>
-              <a:rPr lang="en-US" dirty="0" smtClean="0"/>
-              <a:t>s slide left blank for whiteboard</a:t>
-            </a:r>
-            <a:endParaRPr kumimoji="0" lang="en-US" sz="3000" b="1" i="0" u="none" strike="noStrike" cap="none" spc="0" normalizeH="0" baseline="0" dirty="0">
-              <a:ln>
-                <a:noFill/>
-              </a:ln>
-              <a:solidFill>
-                <a:srgbClr val="000000"/>
-              </a:solidFill>
-              <a:effectLst/>
-              <a:uFillTx/>
-              <a:latin typeface="Helvetica Neue"/>
-              <a:ea typeface="Helvetica Neue"/>
-              <a:cs typeface="Helvetica Neue"/>
-              <a:sym typeface="Helvetica Neue"/>
-            </a:endParaRPr>
-          </a:p>
-        </p:txBody>
-      </p:sp>
-    </p:spTree>
-    <p:extLst>
-      <p:ext uri="{BB962C8B-B14F-4D97-AF65-F5344CB8AC3E}">
-        <p14:creationId xmlns:p14="http://schemas.microsoft.com/office/powerpoint/2010/main" val="2476088095"/>
-      </p:ext>
-    </p:extLst>
-  </p:cSld>
-  <p:clrMapOvr>
-    <a:masterClrMapping/>
-  </p:clrMapOvr>
-  <p:transition spd="med"/>
-</p:sld>
-</file>
-
 <file path=ppt/theme/theme1.xml><?xml version="1.0" encoding="utf-8"?>
 <a:theme xmlns:a="http://schemas.openxmlformats.org/drawingml/2006/main" name="White">
   <a:themeElements>
